--- a/Slides/IIHT-Capgemini Big Data Azure Training -SQL Data Warehouse.pptx
+++ b/Slides/IIHT-Capgemini Big Data Azure Training -SQL Data Warehouse.pptx
@@ -38,13 +38,14 @@
     <p:sldId id="287" r:id="rId32"/>
     <p:sldId id="288" r:id="rId33"/>
     <p:sldId id="289" r:id="rId34"/>
-    <p:sldId id="281" r:id="rId35"/>
-    <p:sldId id="290" r:id="rId36"/>
-    <p:sldId id="291" r:id="rId37"/>
-    <p:sldId id="292" r:id="rId38"/>
-    <p:sldId id="293" r:id="rId39"/>
-    <p:sldId id="294" r:id="rId40"/>
-    <p:sldId id="295" r:id="rId41"/>
+    <p:sldId id="290" r:id="rId35"/>
+    <p:sldId id="296" r:id="rId36"/>
+    <p:sldId id="297" r:id="rId37"/>
+    <p:sldId id="291" r:id="rId38"/>
+    <p:sldId id="292" r:id="rId39"/>
+    <p:sldId id="293" r:id="rId40"/>
+    <p:sldId id="294" r:id="rId41"/>
+    <p:sldId id="295" r:id="rId42"/>
   </p:sldIdLst>
   <p:sldSz cx="12192000" cy="6858000"/>
   <p:notesSz cx="6858000" cy="9144000"/>
@@ -8742,7 +8743,7 @@
 </file>
 
 <file path=ppt/slides/slide30.xml><?xml version="1.0" encoding="utf-8"?>
-<p:sld xmlns:a="http://schemas.openxmlformats.org/drawingml/2006/main" xmlns:r="http://schemas.openxmlformats.org/officeDocument/2006/relationships" xmlns:p="http://schemas.openxmlformats.org/presentationml/2006/main">
+<p:sld xmlns:a="http://schemas.openxmlformats.org/drawingml/2006/main" xmlns:r="http://schemas.openxmlformats.org/officeDocument/2006/relationships" xmlns:p="http://schemas.openxmlformats.org/presentationml/2006/main" show="0">
   <p:cSld>
     <p:spTree>
       <p:nvGrpSpPr>
@@ -9397,10 +9398,10 @@
       </p:grpSpPr>
       <p:sp>
         <p:nvSpPr>
-          <p:cNvPr id="18" name="Rectangle 9">
-            <a:extLst>
-              <a:ext uri="{FF2B5EF4-FFF2-40B4-BE49-F238E27FC236}">
-                <a16:creationId xmlns:a16="http://schemas.microsoft.com/office/drawing/2014/main" id="{A4AC5506-6312-4701-8D3C-40187889A947}"/>
+          <p:cNvPr id="10" name="Flowchart: Document 9">
+            <a:extLst>
+              <a:ext uri="{FF2B5EF4-FFF2-40B4-BE49-F238E27FC236}">
+                <a16:creationId xmlns:a16="http://schemas.microsoft.com/office/drawing/2014/main" id="{D12DDE76-C203-4047-9998-63900085B5E8}"/>
               </a:ext>
               <a:ext uri="{C183D7F6-B498-43B3-948B-1728B52AA6E4}">
                 <adec:decorative xmlns:adec="http://schemas.microsoft.com/office/drawing/2017/decorative" val="1"/>
@@ -9420,14 +9421,14 @@
         </p:nvSpPr>
         <p:spPr>
           <a:xfrm>
-            <a:off x="0" y="651752"/>
-            <a:ext cx="12192000" cy="736551"/>
-          </a:xfrm>
-          <a:prstGeom prst="rect">
+            <a:off x="638175" y="0"/>
+            <a:ext cx="3248025" cy="3400426"/>
+          </a:xfrm>
+          <a:prstGeom prst="flowChartDocument">
             <a:avLst/>
           </a:prstGeom>
           <a:solidFill>
-            <a:schemeClr val="tx1"/>
+            <a:schemeClr val="accent1"/>
           </a:solidFill>
           <a:ln>
             <a:noFill/>
@@ -9463,7 +9464,7 @@
           <p:cNvPr id="2" name="Title 1">
             <a:extLst>
               <a:ext uri="{FF2B5EF4-FFF2-40B4-BE49-F238E27FC236}">
-                <a16:creationId xmlns:a16="http://schemas.microsoft.com/office/drawing/2014/main" id="{811BBC9F-7224-AA2C-886D-35CA35BC1421}"/>
+                <a16:creationId xmlns:a16="http://schemas.microsoft.com/office/drawing/2014/main" id="{BEEE0496-42AB-BD40-E76C-82EBF89DE995}"/>
               </a:ext>
             </a:extLst>
           </p:cNvPr>
@@ -9476,8 +9477,8 @@
         </p:nvSpPr>
         <p:spPr>
           <a:xfrm>
-            <a:off x="556532" y="643467"/>
-            <a:ext cx="11210925" cy="744836"/>
+            <a:off x="838200" y="171162"/>
+            <a:ext cx="2840182" cy="2371148"/>
           </a:xfrm>
         </p:spPr>
         <p:txBody>
@@ -9486,17 +9487,16 @@
           </a:bodyPr>
           <a:lstStyle/>
           <a:p>
-            <a:pPr algn="ctr"/>
             <a:r>
               <a:rPr lang="en-US" sz="3200" kern="1200">
                 <a:solidFill>
-                  <a:schemeClr val="bg1"/>
+                  <a:srgbClr val="FFFFFF"/>
                 </a:solidFill>
                 <a:latin typeface="+mj-lt"/>
                 <a:ea typeface="+mj-ea"/>
                 <a:cs typeface="+mj-cs"/>
               </a:rPr>
-              <a:t>Multidimensional Data Model (MDM)</a:t>
+              <a:t>Measures</a:t>
             </a:r>
           </a:p>
         </p:txBody>
@@ -9506,7 +9506,7 @@
           <p:cNvPr id="5" name="Content Placeholder 4">
             <a:extLst>
               <a:ext uri="{FF2B5EF4-FFF2-40B4-BE49-F238E27FC236}">
-                <a16:creationId xmlns:a16="http://schemas.microsoft.com/office/drawing/2014/main" id="{A879F5D2-DBA6-768B-5EB2-BC0F421B42B6}"/>
+                <a16:creationId xmlns:a16="http://schemas.microsoft.com/office/drawing/2014/main" id="{EFD52891-4EB7-0CF4-92C4-DC4AE1AAC8F4}"/>
               </a:ext>
             </a:extLst>
           </p:cNvPr>
@@ -9525,8 +9525,8 @@
         </p:blipFill>
         <p:spPr>
           <a:xfrm>
-            <a:off x="643467" y="2318354"/>
-            <a:ext cx="10905066" cy="3107944"/>
+            <a:off x="4207933" y="1362993"/>
+            <a:ext cx="7347537" cy="4132989"/>
           </a:xfrm>
           <a:prstGeom prst="rect">
             <a:avLst/>
@@ -9536,7 +9536,7 @@
     </p:spTree>
     <p:extLst>
       <p:ext uri="{BB962C8B-B14F-4D97-AF65-F5344CB8AC3E}">
-        <p14:creationId xmlns:p14="http://schemas.microsoft.com/office/powerpoint/2010/main" val="4081383962"/>
+        <p14:creationId xmlns:p14="http://schemas.microsoft.com/office/powerpoint/2010/main" val="3539703558"/>
       </p:ext>
     </p:extLst>
   </p:cSld>
@@ -9573,10 +9573,10 @@
       </p:grpSpPr>
       <p:sp>
         <p:nvSpPr>
-          <p:cNvPr id="10" name="Flowchart: Document 9">
-            <a:extLst>
-              <a:ext uri="{FF2B5EF4-FFF2-40B4-BE49-F238E27FC236}">
-                <a16:creationId xmlns:a16="http://schemas.microsoft.com/office/drawing/2014/main" id="{D12DDE76-C203-4047-9998-63900085B5E8}"/>
+          <p:cNvPr id="10" name="Down Arrow 7">
+            <a:extLst>
+              <a:ext uri="{FF2B5EF4-FFF2-40B4-BE49-F238E27FC236}">
+                <a16:creationId xmlns:a16="http://schemas.microsoft.com/office/drawing/2014/main" id="{D4771268-CB57-404A-9271-370EB28F6090}"/>
               </a:ext>
               <a:ext uri="{C183D7F6-B498-43B3-948B-1728B52AA6E4}">
                 <adec:decorative xmlns:adec="http://schemas.microsoft.com/office/drawing/2017/decorative" val="1"/>
@@ -9595,17 +9595,20 @@
           </p:nvPr>
         </p:nvSpPr>
         <p:spPr>
-          <a:xfrm>
-            <a:off x="638175" y="0"/>
-            <a:ext cx="3248025" cy="3400426"/>
-          </a:xfrm>
-          <a:prstGeom prst="flowChartDocument">
-            <a:avLst/>
+          <a:xfrm rot="16200000">
+            <a:off x="800100" y="1491343"/>
+            <a:ext cx="3333749" cy="3499103"/>
+          </a:xfrm>
+          <a:prstGeom prst="downArrow">
+            <a:avLst>
+              <a:gd name="adj1" fmla="val 100000"/>
+              <a:gd name="adj2" fmla="val 15788"/>
+            </a:avLst>
           </a:prstGeom>
           <a:solidFill>
-            <a:schemeClr val="accent1"/>
+            <a:srgbClr val="404040"/>
           </a:solidFill>
-          <a:ln>
+          <a:ln w="53975">
             <a:noFill/>
           </a:ln>
         </p:spPr>
@@ -9639,7 +9642,7 @@
           <p:cNvPr id="2" name="Title 1">
             <a:extLst>
               <a:ext uri="{FF2B5EF4-FFF2-40B4-BE49-F238E27FC236}">
-                <a16:creationId xmlns:a16="http://schemas.microsoft.com/office/drawing/2014/main" id="{BEEE0496-42AB-BD40-E76C-82EBF89DE995}"/>
+                <a16:creationId xmlns:a16="http://schemas.microsoft.com/office/drawing/2014/main" id="{D3301397-FB8D-D7C5-505B-76061845777B}"/>
               </a:ext>
             </a:extLst>
           </p:cNvPr>
@@ -9652,9 +9655,10 @@
         </p:nvSpPr>
         <p:spPr>
           <a:xfrm>
-            <a:off x="838200" y="171162"/>
-            <a:ext cx="2840182" cy="2371148"/>
-          </a:xfrm>
+            <a:off x="1028700" y="1967266"/>
+            <a:ext cx="2628900" cy="2547257"/>
+          </a:xfrm>
+          <a:noFill/>
         </p:spPr>
         <p:txBody>
           <a:bodyPr vert="horz" lIns="91440" tIns="45720" rIns="91440" bIns="45720" rtlCol="0" anchor="ctr">
@@ -9662,8 +9666,9 @@
           </a:bodyPr>
           <a:lstStyle/>
           <a:p>
+            <a:pPr algn="ctr"/>
             <a:r>
-              <a:rPr lang="en-US" sz="3200" kern="1200">
+              <a:rPr lang="en-US" sz="3600" kern="1200">
                 <a:solidFill>
                   <a:srgbClr val="FFFFFF"/>
                 </a:solidFill>
@@ -9671,7 +9676,7 @@
                 <a:ea typeface="+mj-ea"/>
                 <a:cs typeface="+mj-cs"/>
               </a:rPr>
-              <a:t>Measures</a:t>
+              <a:t>Data Mining Applications</a:t>
             </a:r>
           </a:p>
         </p:txBody>
@@ -9681,7 +9686,7 @@
           <p:cNvPr id="5" name="Content Placeholder 4">
             <a:extLst>
               <a:ext uri="{FF2B5EF4-FFF2-40B4-BE49-F238E27FC236}">
-                <a16:creationId xmlns:a16="http://schemas.microsoft.com/office/drawing/2014/main" id="{EFD52891-4EB7-0CF4-92C4-DC4AE1AAC8F4}"/>
+                <a16:creationId xmlns:a16="http://schemas.microsoft.com/office/drawing/2014/main" id="{F8824AEE-5AEF-24FB-6AF4-053CFA0F2A3D}"/>
               </a:ext>
             </a:extLst>
           </p:cNvPr>
@@ -9700,8 +9705,8 @@
         </p:blipFill>
         <p:spPr>
           <a:xfrm>
-            <a:off x="4207933" y="1362993"/>
-            <a:ext cx="7347537" cy="4132989"/>
+            <a:off x="4777316" y="1622474"/>
+            <a:ext cx="6780700" cy="3610722"/>
           </a:xfrm>
           <a:prstGeom prst="rect">
             <a:avLst/>
@@ -9711,7 +9716,7 @@
     </p:spTree>
     <p:extLst>
       <p:ext uri="{BB962C8B-B14F-4D97-AF65-F5344CB8AC3E}">
-        <p14:creationId xmlns:p14="http://schemas.microsoft.com/office/powerpoint/2010/main" val="3539703558"/>
+        <p14:creationId xmlns:p14="http://schemas.microsoft.com/office/powerpoint/2010/main" val="2163377395"/>
       </p:ext>
     </p:extLst>
   </p:cSld>
@@ -9723,6 +9728,188 @@
 
 <file path=ppt/slides/slide36.xml><?xml version="1.0" encoding="utf-8"?>
 <p:sld xmlns:a="http://schemas.openxmlformats.org/drawingml/2006/main" xmlns:r="http://schemas.openxmlformats.org/officeDocument/2006/relationships" xmlns:p="http://schemas.openxmlformats.org/presentationml/2006/main">
+  <p:cSld>
+    <p:spTree>
+      <p:nvGrpSpPr>
+        <p:cNvPr id="1" name=""/>
+        <p:cNvGrpSpPr/>
+        <p:nvPr/>
+      </p:nvGrpSpPr>
+      <p:grpSpPr>
+        <a:xfrm>
+          <a:off x="0" y="0"/>
+          <a:ext cx="0" cy="0"/>
+          <a:chOff x="0" y="0"/>
+          <a:chExt cx="0" cy="0"/>
+        </a:xfrm>
+      </p:grpSpPr>
+      <p:sp>
+        <p:nvSpPr>
+          <p:cNvPr id="2" name="Title 1">
+            <a:extLst>
+              <a:ext uri="{FF2B5EF4-FFF2-40B4-BE49-F238E27FC236}">
+                <a16:creationId xmlns:a16="http://schemas.microsoft.com/office/drawing/2014/main" id="{7E9091F6-0620-1535-0651-DBB770AE9245}"/>
+              </a:ext>
+            </a:extLst>
+          </p:cNvPr>
+          <p:cNvSpPr>
+            <a:spLocks noGrp="1"/>
+          </p:cNvSpPr>
+          <p:nvPr>
+            <p:ph type="title"/>
+          </p:nvPr>
+        </p:nvSpPr>
+        <p:spPr/>
+        <p:txBody>
+          <a:bodyPr/>
+          <a:lstStyle/>
+          <a:p>
+            <a:r>
+              <a:rPr lang="en-IN" dirty="0"/>
+              <a:t>Best Practices of Data Warehouse</a:t>
+            </a:r>
+          </a:p>
+        </p:txBody>
+      </p:sp>
+      <p:sp>
+        <p:nvSpPr>
+          <p:cNvPr id="3" name="Content Placeholder 2">
+            <a:extLst>
+              <a:ext uri="{FF2B5EF4-FFF2-40B4-BE49-F238E27FC236}">
+                <a16:creationId xmlns:a16="http://schemas.microsoft.com/office/drawing/2014/main" id="{7870CD10-FD1F-B653-3868-90716AA8FC23}"/>
+              </a:ext>
+            </a:extLst>
+          </p:cNvPr>
+          <p:cNvSpPr>
+            <a:spLocks noGrp="1"/>
+          </p:cNvSpPr>
+          <p:nvPr>
+            <p:ph idx="1"/>
+          </p:nvPr>
+        </p:nvSpPr>
+        <p:spPr/>
+        <p:txBody>
+          <a:bodyPr/>
+          <a:lstStyle/>
+          <a:p>
+            <a:pPr algn="l">
+              <a:buFont typeface="Arial" panose="020B0604020202020204" pitchFamily="34" charset="0"/>
+              <a:buChar char="•"/>
+            </a:pPr>
+            <a:r>
+              <a:rPr lang="en-IN" sz="2400" b="0" i="0" dirty="0">
+                <a:solidFill>
+                  <a:srgbClr val="202124"/>
+                </a:solidFill>
+                <a:effectLst/>
+                <a:latin typeface="arial" panose="020B0604020202020204" pitchFamily="34" charset="0"/>
+              </a:rPr>
+              <a:t>Have a data model. ...</a:t>
+            </a:r>
+          </a:p>
+          <a:p>
+            <a:pPr algn="l">
+              <a:buFont typeface="Arial" panose="020B0604020202020204" pitchFamily="34" charset="0"/>
+              <a:buChar char="•"/>
+            </a:pPr>
+            <a:r>
+              <a:rPr lang="en-IN" sz="2400" b="0" i="0" dirty="0">
+                <a:solidFill>
+                  <a:srgbClr val="202124"/>
+                </a:solidFill>
+                <a:effectLst/>
+                <a:latin typeface="arial" panose="020B0604020202020204" pitchFamily="34" charset="0"/>
+              </a:rPr>
+              <a:t>Have a data flow diagram. ...</a:t>
+            </a:r>
+          </a:p>
+          <a:p>
+            <a:pPr algn="l">
+              <a:buFont typeface="Arial" panose="020B0604020202020204" pitchFamily="34" charset="0"/>
+              <a:buChar char="•"/>
+            </a:pPr>
+            <a:r>
+              <a:rPr lang="en-IN" sz="2400" b="0" i="0" dirty="0">
+                <a:solidFill>
+                  <a:srgbClr val="202124"/>
+                </a:solidFill>
+                <a:effectLst/>
+                <a:latin typeface="arial" panose="020B0604020202020204" pitchFamily="34" charset="0"/>
+              </a:rPr>
+              <a:t>Build a source agnostic integration layer. ...</a:t>
+            </a:r>
+          </a:p>
+          <a:p>
+            <a:pPr algn="l">
+              <a:buFont typeface="Arial" panose="020B0604020202020204" pitchFamily="34" charset="0"/>
+              <a:buChar char="•"/>
+            </a:pPr>
+            <a:r>
+              <a:rPr lang="en-IN" sz="2400" b="0" i="0" dirty="0">
+                <a:solidFill>
+                  <a:srgbClr val="202124"/>
+                </a:solidFill>
+                <a:effectLst/>
+                <a:latin typeface="arial" panose="020B0604020202020204" pitchFamily="34" charset="0"/>
+              </a:rPr>
+              <a:t>Adopt a recognized data warehouse architecture standard. ...</a:t>
+            </a:r>
+          </a:p>
+          <a:p>
+            <a:pPr algn="l">
+              <a:buFont typeface="Arial" panose="020B0604020202020204" pitchFamily="34" charset="0"/>
+              <a:buChar char="•"/>
+            </a:pPr>
+            <a:r>
+              <a:rPr lang="en-IN" sz="2400" b="0" i="0" dirty="0">
+                <a:solidFill>
+                  <a:srgbClr val="202124"/>
+                </a:solidFill>
+                <a:effectLst/>
+                <a:latin typeface="arial" panose="020B0604020202020204" pitchFamily="34" charset="0"/>
+              </a:rPr>
+              <a:t>Consider adopting an agile data warehouse methodology. ...</a:t>
+            </a:r>
+          </a:p>
+          <a:p>
+            <a:pPr algn="l">
+              <a:buFont typeface="Arial" panose="020B0604020202020204" pitchFamily="34" charset="0"/>
+              <a:buChar char="•"/>
+            </a:pPr>
+            <a:r>
+              <a:rPr lang="en-IN" sz="2400" b="0" i="0" dirty="0">
+                <a:solidFill>
+                  <a:srgbClr val="202124"/>
+                </a:solidFill>
+                <a:effectLst/>
+                <a:latin typeface="arial" panose="020B0604020202020204" pitchFamily="34" charset="0"/>
+              </a:rPr>
+              <a:t>Favour ELT over ETL.</a:t>
+            </a:r>
+          </a:p>
+          <a:p>
+            <a:pPr marL="0" indent="0">
+              <a:buNone/>
+            </a:pPr>
+            <a:endParaRPr lang="en-IN" dirty="0"/>
+          </a:p>
+        </p:txBody>
+      </p:sp>
+    </p:spTree>
+    <p:extLst>
+      <p:ext uri="{BB962C8B-B14F-4D97-AF65-F5344CB8AC3E}">
+        <p14:creationId xmlns:p14="http://schemas.microsoft.com/office/powerpoint/2010/main" val="1790145122"/>
+      </p:ext>
+    </p:extLst>
+  </p:cSld>
+  <p:clrMapOvr>
+    <a:masterClrMapping/>
+  </p:clrMapOvr>
+</p:sld>
+</file>
+
+<file path=ppt/slides/slide37.xml><?xml version="1.0" encoding="utf-8"?>
+<p:sld xmlns:a="http://schemas.openxmlformats.org/drawingml/2006/main" xmlns:r="http://schemas.openxmlformats.org/officeDocument/2006/relationships" xmlns:p="http://schemas.openxmlformats.org/presentationml/2006/main" show="0">
   <p:cSld>
     <p:bg>
       <p:bgPr>
@@ -9896,8 +10083,8 @@
 </p:sld>
 </file>
 
-<file path=ppt/slides/slide37.xml><?xml version="1.0" encoding="utf-8"?>
-<p:sld xmlns:a="http://schemas.openxmlformats.org/drawingml/2006/main" xmlns:r="http://schemas.openxmlformats.org/officeDocument/2006/relationships" xmlns:p="http://schemas.openxmlformats.org/presentationml/2006/main">
+<file path=ppt/slides/slide38.xml><?xml version="1.0" encoding="utf-8"?>
+<p:sld xmlns:a="http://schemas.openxmlformats.org/drawingml/2006/main" xmlns:r="http://schemas.openxmlformats.org/officeDocument/2006/relationships" xmlns:p="http://schemas.openxmlformats.org/presentationml/2006/main" show="0">
   <p:cSld>
     <p:bg>
       <p:bgPr>
@@ -10062,181 +10249,6 @@
     <p:extLst>
       <p:ext uri="{BB962C8B-B14F-4D97-AF65-F5344CB8AC3E}">
         <p14:creationId xmlns:p14="http://schemas.microsoft.com/office/powerpoint/2010/main" val="366259139"/>
-      </p:ext>
-    </p:extLst>
-  </p:cSld>
-  <p:clrMapOvr>
-    <a:masterClrMapping/>
-  </p:clrMapOvr>
-</p:sld>
-</file>
-
-<file path=ppt/slides/slide38.xml><?xml version="1.0" encoding="utf-8"?>
-<p:sld xmlns:a="http://schemas.openxmlformats.org/drawingml/2006/main" xmlns:r="http://schemas.openxmlformats.org/officeDocument/2006/relationships" xmlns:p="http://schemas.openxmlformats.org/presentationml/2006/main">
-  <p:cSld>
-    <p:bg>
-      <p:bgPr>
-        <a:solidFill>
-          <a:schemeClr val="bg1"/>
-        </a:solidFill>
-        <a:effectLst/>
-      </p:bgPr>
-    </p:bg>
-    <p:spTree>
-      <p:nvGrpSpPr>
-        <p:cNvPr id="1" name=""/>
-        <p:cNvGrpSpPr/>
-        <p:nvPr/>
-      </p:nvGrpSpPr>
-      <p:grpSpPr>
-        <a:xfrm>
-          <a:off x="0" y="0"/>
-          <a:ext cx="0" cy="0"/>
-          <a:chOff x="0" y="0"/>
-          <a:chExt cx="0" cy="0"/>
-        </a:xfrm>
-      </p:grpSpPr>
-      <p:sp>
-        <p:nvSpPr>
-          <p:cNvPr id="10" name="Flowchart: Document 9">
-            <a:extLst>
-              <a:ext uri="{FF2B5EF4-FFF2-40B4-BE49-F238E27FC236}">
-                <a16:creationId xmlns:a16="http://schemas.microsoft.com/office/drawing/2014/main" id="{D12DDE76-C203-4047-9998-63900085B5E8}"/>
-              </a:ext>
-              <a:ext uri="{C183D7F6-B498-43B3-948B-1728B52AA6E4}">
-                <adec:decorative xmlns:adec="http://schemas.microsoft.com/office/drawing/2017/decorative" val="1"/>
-              </a:ext>
-            </a:extLst>
-          </p:cNvPr>
-          <p:cNvSpPr>
-            <a:spLocks noGrp="1" noRot="1" noChangeAspect="1" noMove="1" noResize="1" noEditPoints="1" noAdjustHandles="1" noChangeArrowheads="1" noChangeShapeType="1" noTextEdit="1"/>
-          </p:cNvSpPr>
-          <p:nvPr>
-            <p:extLst>
-              <p:ext uri="{386F3935-93C4-4BCD-93E2-E3B085C9AB24}">
-                <p16:designElem xmlns:p16="http://schemas.microsoft.com/office/powerpoint/2015/main" val="1"/>
-              </p:ext>
-            </p:extLst>
-          </p:nvPr>
-        </p:nvSpPr>
-        <p:spPr>
-          <a:xfrm>
-            <a:off x="638175" y="0"/>
-            <a:ext cx="3248025" cy="3400426"/>
-          </a:xfrm>
-          <a:prstGeom prst="flowChartDocument">
-            <a:avLst/>
-          </a:prstGeom>
-          <a:solidFill>
-            <a:schemeClr val="accent1"/>
-          </a:solidFill>
-          <a:ln>
-            <a:noFill/>
-          </a:ln>
-        </p:spPr>
-        <p:style>
-          <a:lnRef idx="2">
-            <a:schemeClr val="accent1">
-              <a:shade val="50000"/>
-            </a:schemeClr>
-          </a:lnRef>
-          <a:fillRef idx="1">
-            <a:schemeClr val="accent1"/>
-          </a:fillRef>
-          <a:effectRef idx="0">
-            <a:schemeClr val="accent1"/>
-          </a:effectRef>
-          <a:fontRef idx="minor">
-            <a:schemeClr val="lt1"/>
-          </a:fontRef>
-        </p:style>
-        <p:txBody>
-          <a:bodyPr rtlCol="0" anchor="ctr"/>
-          <a:lstStyle/>
-          <a:p>
-            <a:pPr algn="ctr"/>
-            <a:endParaRPr lang="en-US"/>
-          </a:p>
-        </p:txBody>
-      </p:sp>
-      <p:sp>
-        <p:nvSpPr>
-          <p:cNvPr id="2" name="Title 1">
-            <a:extLst>
-              <a:ext uri="{FF2B5EF4-FFF2-40B4-BE49-F238E27FC236}">
-                <a16:creationId xmlns:a16="http://schemas.microsoft.com/office/drawing/2014/main" id="{E55D68DB-9F3B-B22F-D5CF-8E819D1155D8}"/>
-              </a:ext>
-            </a:extLst>
-          </p:cNvPr>
-          <p:cNvSpPr>
-            <a:spLocks noGrp="1"/>
-          </p:cNvSpPr>
-          <p:nvPr>
-            <p:ph type="title"/>
-          </p:nvPr>
-        </p:nvSpPr>
-        <p:spPr>
-          <a:xfrm>
-            <a:off x="838200" y="171162"/>
-            <a:ext cx="2840182" cy="2371148"/>
-          </a:xfrm>
-        </p:spPr>
-        <p:txBody>
-          <a:bodyPr vert="horz" lIns="91440" tIns="45720" rIns="91440" bIns="45720" rtlCol="0" anchor="ctr">
-            <a:normAutofit/>
-          </a:bodyPr>
-          <a:lstStyle/>
-          <a:p>
-            <a:r>
-              <a:rPr lang="en-US" sz="3200" kern="1200">
-                <a:solidFill>
-                  <a:srgbClr val="FFFFFF"/>
-                </a:solidFill>
-                <a:latin typeface="+mj-lt"/>
-                <a:ea typeface="+mj-ea"/>
-                <a:cs typeface="+mj-cs"/>
-              </a:rPr>
-              <a:t>Relational OLAP</a:t>
-            </a:r>
-          </a:p>
-        </p:txBody>
-      </p:sp>
-      <p:pic>
-        <p:nvPicPr>
-          <p:cNvPr id="5" name="Content Placeholder 4">
-            <a:extLst>
-              <a:ext uri="{FF2B5EF4-FFF2-40B4-BE49-F238E27FC236}">
-                <a16:creationId xmlns:a16="http://schemas.microsoft.com/office/drawing/2014/main" id="{9AF964E4-A35D-162A-7958-9B09F20731FC}"/>
-              </a:ext>
-            </a:extLst>
-          </p:cNvPr>
-          <p:cNvPicPr>
-            <a:picLocks noGrp="1" noChangeAspect="1"/>
-          </p:cNvPicPr>
-          <p:nvPr>
-            <p:ph idx="1"/>
-          </p:nvPr>
-        </p:nvPicPr>
-        <p:blipFill>
-          <a:blip r:embed="rId2"/>
-          <a:stretch>
-            <a:fillRect/>
-          </a:stretch>
-        </p:blipFill>
-        <p:spPr>
-          <a:xfrm>
-            <a:off x="4207933" y="1427284"/>
-            <a:ext cx="7347537" cy="4004407"/>
-          </a:xfrm>
-          <a:prstGeom prst="rect">
-            <a:avLst/>
-          </a:prstGeom>
-        </p:spPr>
-      </p:pic>
-    </p:spTree>
-    <p:extLst>
-      <p:ext uri="{BB962C8B-B14F-4D97-AF65-F5344CB8AC3E}">
-        <p14:creationId xmlns:p14="http://schemas.microsoft.com/office/powerpoint/2010/main" val="2119226136"/>
       </p:ext>
     </p:extLst>
   </p:cSld>
@@ -10339,7 +10351,7 @@
           <p:cNvPr id="2" name="Title 1">
             <a:extLst>
               <a:ext uri="{FF2B5EF4-FFF2-40B4-BE49-F238E27FC236}">
-                <a16:creationId xmlns:a16="http://schemas.microsoft.com/office/drawing/2014/main" id="{B6B224B7-80ED-D7AB-19B7-DEE57BFFD278}"/>
+                <a16:creationId xmlns:a16="http://schemas.microsoft.com/office/drawing/2014/main" id="{E55D68DB-9F3B-B22F-D5CF-8E819D1155D8}"/>
               </a:ext>
             </a:extLst>
           </p:cNvPr>
@@ -10371,7 +10383,7 @@
                 <a:ea typeface="+mj-ea"/>
                 <a:cs typeface="+mj-cs"/>
               </a:rPr>
-              <a:t>Relational OLAP </a:t>
+              <a:t>Relational OLAP</a:t>
             </a:r>
           </a:p>
         </p:txBody>
@@ -10381,7 +10393,7 @@
           <p:cNvPr id="5" name="Content Placeholder 4">
             <a:extLst>
               <a:ext uri="{FF2B5EF4-FFF2-40B4-BE49-F238E27FC236}">
-                <a16:creationId xmlns:a16="http://schemas.microsoft.com/office/drawing/2014/main" id="{6E8D5AC4-EDBC-8145-DF86-36D4ADDC542F}"/>
+                <a16:creationId xmlns:a16="http://schemas.microsoft.com/office/drawing/2014/main" id="{9AF964E4-A35D-162A-7958-9B09F20731FC}"/>
               </a:ext>
             </a:extLst>
           </p:cNvPr>
@@ -10400,8 +10412,8 @@
         </p:blipFill>
         <p:spPr>
           <a:xfrm>
-            <a:off x="4207933" y="1234411"/>
-            <a:ext cx="7347537" cy="4390153"/>
+            <a:off x="4207933" y="1427284"/>
+            <a:ext cx="7347537" cy="4004407"/>
           </a:xfrm>
           <a:prstGeom prst="rect">
             <a:avLst/>
@@ -10411,7 +10423,7 @@
     </p:spTree>
     <p:extLst>
       <p:ext uri="{BB962C8B-B14F-4D97-AF65-F5344CB8AC3E}">
-        <p14:creationId xmlns:p14="http://schemas.microsoft.com/office/powerpoint/2010/main" val="1653220919"/>
+        <p14:creationId xmlns:p14="http://schemas.microsoft.com/office/powerpoint/2010/main" val="2119226136"/>
       </p:ext>
     </p:extLst>
   </p:cSld>
@@ -10602,6 +10614,181 @@
 </file>
 
 <file path=ppt/slides/slide40.xml><?xml version="1.0" encoding="utf-8"?>
+<p:sld xmlns:a="http://schemas.openxmlformats.org/drawingml/2006/main" xmlns:r="http://schemas.openxmlformats.org/officeDocument/2006/relationships" xmlns:p="http://schemas.openxmlformats.org/presentationml/2006/main">
+  <p:cSld>
+    <p:bg>
+      <p:bgPr>
+        <a:solidFill>
+          <a:schemeClr val="bg1"/>
+        </a:solidFill>
+        <a:effectLst/>
+      </p:bgPr>
+    </p:bg>
+    <p:spTree>
+      <p:nvGrpSpPr>
+        <p:cNvPr id="1" name=""/>
+        <p:cNvGrpSpPr/>
+        <p:nvPr/>
+      </p:nvGrpSpPr>
+      <p:grpSpPr>
+        <a:xfrm>
+          <a:off x="0" y="0"/>
+          <a:ext cx="0" cy="0"/>
+          <a:chOff x="0" y="0"/>
+          <a:chExt cx="0" cy="0"/>
+        </a:xfrm>
+      </p:grpSpPr>
+      <p:sp>
+        <p:nvSpPr>
+          <p:cNvPr id="10" name="Flowchart: Document 9">
+            <a:extLst>
+              <a:ext uri="{FF2B5EF4-FFF2-40B4-BE49-F238E27FC236}">
+                <a16:creationId xmlns:a16="http://schemas.microsoft.com/office/drawing/2014/main" id="{D12DDE76-C203-4047-9998-63900085B5E8}"/>
+              </a:ext>
+              <a:ext uri="{C183D7F6-B498-43B3-948B-1728B52AA6E4}">
+                <adec:decorative xmlns:adec="http://schemas.microsoft.com/office/drawing/2017/decorative" val="1"/>
+              </a:ext>
+            </a:extLst>
+          </p:cNvPr>
+          <p:cNvSpPr>
+            <a:spLocks noGrp="1" noRot="1" noChangeAspect="1" noMove="1" noResize="1" noEditPoints="1" noAdjustHandles="1" noChangeArrowheads="1" noChangeShapeType="1" noTextEdit="1"/>
+          </p:cNvSpPr>
+          <p:nvPr>
+            <p:extLst>
+              <p:ext uri="{386F3935-93C4-4BCD-93E2-E3B085C9AB24}">
+                <p16:designElem xmlns:p16="http://schemas.microsoft.com/office/powerpoint/2015/main" val="1"/>
+              </p:ext>
+            </p:extLst>
+          </p:nvPr>
+        </p:nvSpPr>
+        <p:spPr>
+          <a:xfrm>
+            <a:off x="638175" y="0"/>
+            <a:ext cx="3248025" cy="3400426"/>
+          </a:xfrm>
+          <a:prstGeom prst="flowChartDocument">
+            <a:avLst/>
+          </a:prstGeom>
+          <a:solidFill>
+            <a:schemeClr val="accent1"/>
+          </a:solidFill>
+          <a:ln>
+            <a:noFill/>
+          </a:ln>
+        </p:spPr>
+        <p:style>
+          <a:lnRef idx="2">
+            <a:schemeClr val="accent1">
+              <a:shade val="50000"/>
+            </a:schemeClr>
+          </a:lnRef>
+          <a:fillRef idx="1">
+            <a:schemeClr val="accent1"/>
+          </a:fillRef>
+          <a:effectRef idx="0">
+            <a:schemeClr val="accent1"/>
+          </a:effectRef>
+          <a:fontRef idx="minor">
+            <a:schemeClr val="lt1"/>
+          </a:fontRef>
+        </p:style>
+        <p:txBody>
+          <a:bodyPr rtlCol="0" anchor="ctr"/>
+          <a:lstStyle/>
+          <a:p>
+            <a:pPr algn="ctr"/>
+            <a:endParaRPr lang="en-US"/>
+          </a:p>
+        </p:txBody>
+      </p:sp>
+      <p:sp>
+        <p:nvSpPr>
+          <p:cNvPr id="2" name="Title 1">
+            <a:extLst>
+              <a:ext uri="{FF2B5EF4-FFF2-40B4-BE49-F238E27FC236}">
+                <a16:creationId xmlns:a16="http://schemas.microsoft.com/office/drawing/2014/main" id="{B6B224B7-80ED-D7AB-19B7-DEE57BFFD278}"/>
+              </a:ext>
+            </a:extLst>
+          </p:cNvPr>
+          <p:cNvSpPr>
+            <a:spLocks noGrp="1"/>
+          </p:cNvSpPr>
+          <p:nvPr>
+            <p:ph type="title"/>
+          </p:nvPr>
+        </p:nvSpPr>
+        <p:spPr>
+          <a:xfrm>
+            <a:off x="838200" y="171162"/>
+            <a:ext cx="2840182" cy="2371148"/>
+          </a:xfrm>
+        </p:spPr>
+        <p:txBody>
+          <a:bodyPr vert="horz" lIns="91440" tIns="45720" rIns="91440" bIns="45720" rtlCol="0" anchor="ctr">
+            <a:normAutofit/>
+          </a:bodyPr>
+          <a:lstStyle/>
+          <a:p>
+            <a:r>
+              <a:rPr lang="en-US" sz="3200" kern="1200">
+                <a:solidFill>
+                  <a:srgbClr val="FFFFFF"/>
+                </a:solidFill>
+                <a:latin typeface="+mj-lt"/>
+                <a:ea typeface="+mj-ea"/>
+                <a:cs typeface="+mj-cs"/>
+              </a:rPr>
+              <a:t>Relational OLAP </a:t>
+            </a:r>
+          </a:p>
+        </p:txBody>
+      </p:sp>
+      <p:pic>
+        <p:nvPicPr>
+          <p:cNvPr id="5" name="Content Placeholder 4">
+            <a:extLst>
+              <a:ext uri="{FF2B5EF4-FFF2-40B4-BE49-F238E27FC236}">
+                <a16:creationId xmlns:a16="http://schemas.microsoft.com/office/drawing/2014/main" id="{6E8D5AC4-EDBC-8145-DF86-36D4ADDC542F}"/>
+              </a:ext>
+            </a:extLst>
+          </p:cNvPr>
+          <p:cNvPicPr>
+            <a:picLocks noGrp="1" noChangeAspect="1"/>
+          </p:cNvPicPr>
+          <p:nvPr>
+            <p:ph idx="1"/>
+          </p:nvPr>
+        </p:nvPicPr>
+        <p:blipFill>
+          <a:blip r:embed="rId2"/>
+          <a:stretch>
+            <a:fillRect/>
+          </a:stretch>
+        </p:blipFill>
+        <p:spPr>
+          <a:xfrm>
+            <a:off x="4207933" y="1234411"/>
+            <a:ext cx="7347537" cy="4390153"/>
+          </a:xfrm>
+          <a:prstGeom prst="rect">
+            <a:avLst/>
+          </a:prstGeom>
+        </p:spPr>
+      </p:pic>
+    </p:spTree>
+    <p:extLst>
+      <p:ext uri="{BB962C8B-B14F-4D97-AF65-F5344CB8AC3E}">
+        <p14:creationId xmlns:p14="http://schemas.microsoft.com/office/powerpoint/2010/main" val="1653220919"/>
+      </p:ext>
+    </p:extLst>
+  </p:cSld>
+  <p:clrMapOvr>
+    <a:masterClrMapping/>
+  </p:clrMapOvr>
+</p:sld>
+</file>
+
+<file path=ppt/slides/slide41.xml><?xml version="1.0" encoding="utf-8"?>
 <p:sld xmlns:a="http://schemas.openxmlformats.org/drawingml/2006/main" xmlns:r="http://schemas.openxmlformats.org/officeDocument/2006/relationships" xmlns:p="http://schemas.openxmlformats.org/presentationml/2006/main">
   <p:cSld>
     <p:bg>

--- a/Slides/IIHT-Capgemini Big Data Azure Training -SQL Data Warehouse.pptx
+++ b/Slides/IIHT-Capgemini Big Data Azure Training -SQL Data Warehouse.pptx
@@ -41,11 +41,11 @@
     <p:sldId id="290" r:id="rId35"/>
     <p:sldId id="296" r:id="rId36"/>
     <p:sldId id="297" r:id="rId37"/>
-    <p:sldId id="291" r:id="rId38"/>
-    <p:sldId id="292" r:id="rId39"/>
-    <p:sldId id="293" r:id="rId40"/>
-    <p:sldId id="294" r:id="rId41"/>
-    <p:sldId id="295" r:id="rId42"/>
+    <p:sldId id="293" r:id="rId38"/>
+    <p:sldId id="294" r:id="rId39"/>
+    <p:sldId id="295" r:id="rId40"/>
+    <p:sldId id="291" r:id="rId41"/>
+    <p:sldId id="292" r:id="rId42"/>
   </p:sldIdLst>
   <p:sldSz cx="12192000" cy="6858000"/>
   <p:notesSz cx="6858000" cy="9144000"/>
@@ -301,7 +301,7 @@
           <a:p>
             <a:fld id="{5B786F04-23E2-4B88-A7B4-F50FE0CA750B}" type="datetimeFigureOut">
               <a:rPr lang="en-IN" smtClean="0"/>
-              <a:t>16-09-2022</a:t>
+              <a:t>17-09-2022</a:t>
             </a:fld>
             <a:endParaRPr lang="en-IN"/>
           </a:p>
@@ -501,7 +501,7 @@
           <a:p>
             <a:fld id="{5B786F04-23E2-4B88-A7B4-F50FE0CA750B}" type="datetimeFigureOut">
               <a:rPr lang="en-IN" smtClean="0"/>
-              <a:t>16-09-2022</a:t>
+              <a:t>17-09-2022</a:t>
             </a:fld>
             <a:endParaRPr lang="en-IN"/>
           </a:p>
@@ -711,7 +711,7 @@
           <a:p>
             <a:fld id="{5B786F04-23E2-4B88-A7B4-F50FE0CA750B}" type="datetimeFigureOut">
               <a:rPr lang="en-IN" smtClean="0"/>
-              <a:t>16-09-2022</a:t>
+              <a:t>17-09-2022</a:t>
             </a:fld>
             <a:endParaRPr lang="en-IN"/>
           </a:p>
@@ -911,7 +911,7 @@
           <a:p>
             <a:fld id="{5B786F04-23E2-4B88-A7B4-F50FE0CA750B}" type="datetimeFigureOut">
               <a:rPr lang="en-IN" smtClean="0"/>
-              <a:t>16-09-2022</a:t>
+              <a:t>17-09-2022</a:t>
             </a:fld>
             <a:endParaRPr lang="en-IN"/>
           </a:p>
@@ -1187,7 +1187,7 @@
           <a:p>
             <a:fld id="{5B786F04-23E2-4B88-A7B4-F50FE0CA750B}" type="datetimeFigureOut">
               <a:rPr lang="en-IN" smtClean="0"/>
-              <a:t>16-09-2022</a:t>
+              <a:t>17-09-2022</a:t>
             </a:fld>
             <a:endParaRPr lang="en-IN"/>
           </a:p>
@@ -1455,7 +1455,7 @@
           <a:p>
             <a:fld id="{5B786F04-23E2-4B88-A7B4-F50FE0CA750B}" type="datetimeFigureOut">
               <a:rPr lang="en-IN" smtClean="0"/>
-              <a:t>16-09-2022</a:t>
+              <a:t>17-09-2022</a:t>
             </a:fld>
             <a:endParaRPr lang="en-IN"/>
           </a:p>
@@ -1870,7 +1870,7 @@
           <a:p>
             <a:fld id="{5B786F04-23E2-4B88-A7B4-F50FE0CA750B}" type="datetimeFigureOut">
               <a:rPr lang="en-IN" smtClean="0"/>
-              <a:t>16-09-2022</a:t>
+              <a:t>17-09-2022</a:t>
             </a:fld>
             <a:endParaRPr lang="en-IN"/>
           </a:p>
@@ -2012,7 +2012,7 @@
           <a:p>
             <a:fld id="{5B786F04-23E2-4B88-A7B4-F50FE0CA750B}" type="datetimeFigureOut">
               <a:rPr lang="en-IN" smtClean="0"/>
-              <a:t>16-09-2022</a:t>
+              <a:t>17-09-2022</a:t>
             </a:fld>
             <a:endParaRPr lang="en-IN"/>
           </a:p>
@@ -2125,7 +2125,7 @@
           <a:p>
             <a:fld id="{5B786F04-23E2-4B88-A7B4-F50FE0CA750B}" type="datetimeFigureOut">
               <a:rPr lang="en-IN" smtClean="0"/>
-              <a:t>16-09-2022</a:t>
+              <a:t>17-09-2022</a:t>
             </a:fld>
             <a:endParaRPr lang="en-IN"/>
           </a:p>
@@ -2438,7 +2438,7 @@
           <a:p>
             <a:fld id="{5B786F04-23E2-4B88-A7B4-F50FE0CA750B}" type="datetimeFigureOut">
               <a:rPr lang="en-IN" smtClean="0"/>
-              <a:t>16-09-2022</a:t>
+              <a:t>17-09-2022</a:t>
             </a:fld>
             <a:endParaRPr lang="en-IN"/>
           </a:p>
@@ -2727,7 +2727,7 @@
           <a:p>
             <a:fld id="{5B786F04-23E2-4B88-A7B4-F50FE0CA750B}" type="datetimeFigureOut">
               <a:rPr lang="en-IN" smtClean="0"/>
-              <a:t>16-09-2022</a:t>
+              <a:t>17-09-2022</a:t>
             </a:fld>
             <a:endParaRPr lang="en-IN"/>
           </a:p>
@@ -2970,7 +2970,7 @@
           <a:p>
             <a:fld id="{5B786F04-23E2-4B88-A7B4-F50FE0CA750B}" type="datetimeFigureOut">
               <a:rPr lang="en-IN" smtClean="0"/>
-              <a:t>16-09-2022</a:t>
+              <a:t>17-09-2022</a:t>
             </a:fld>
             <a:endParaRPr lang="en-IN"/>
           </a:p>
@@ -9909,7 +9909,7 @@
 </file>
 
 <file path=ppt/slides/slide37.xml><?xml version="1.0" encoding="utf-8"?>
-<p:sld xmlns:a="http://schemas.openxmlformats.org/drawingml/2006/main" xmlns:r="http://schemas.openxmlformats.org/officeDocument/2006/relationships" xmlns:p="http://schemas.openxmlformats.org/presentationml/2006/main" show="0">
+<p:sld xmlns:a="http://schemas.openxmlformats.org/drawingml/2006/main" xmlns:r="http://schemas.openxmlformats.org/officeDocument/2006/relationships" xmlns:p="http://schemas.openxmlformats.org/presentationml/2006/main">
   <p:cSld>
     <p:bg>
       <p:bgPr>
@@ -10001,7 +10001,7 @@
           <p:cNvPr id="2" name="Title 1">
             <a:extLst>
               <a:ext uri="{FF2B5EF4-FFF2-40B4-BE49-F238E27FC236}">
-                <a16:creationId xmlns:a16="http://schemas.microsoft.com/office/drawing/2014/main" id="{50163224-B75B-ABFB-3B27-BD5531E49A24}"/>
+                <a16:creationId xmlns:a16="http://schemas.microsoft.com/office/drawing/2014/main" id="{E55D68DB-9F3B-B22F-D5CF-8E819D1155D8}"/>
               </a:ext>
             </a:extLst>
           </p:cNvPr>
@@ -10033,7 +10033,7 @@
                 <a:ea typeface="+mj-ea"/>
                 <a:cs typeface="+mj-cs"/>
               </a:rPr>
-              <a:t>CUBE</a:t>
+              <a:t>Relational OLAP</a:t>
             </a:r>
           </a:p>
         </p:txBody>
@@ -10043,7 +10043,7 @@
           <p:cNvPr id="5" name="Content Placeholder 4">
             <a:extLst>
               <a:ext uri="{FF2B5EF4-FFF2-40B4-BE49-F238E27FC236}">
-                <a16:creationId xmlns:a16="http://schemas.microsoft.com/office/drawing/2014/main" id="{D00BD8A3-478F-5B77-FCD2-858D41E26F19}"/>
+                <a16:creationId xmlns:a16="http://schemas.microsoft.com/office/drawing/2014/main" id="{9AF964E4-A35D-162A-7958-9B09F20731FC}"/>
               </a:ext>
             </a:extLst>
           </p:cNvPr>
@@ -10062,8 +10062,8 @@
         </p:blipFill>
         <p:spPr>
           <a:xfrm>
-            <a:off x="4207933" y="958878"/>
-            <a:ext cx="7347537" cy="4941219"/>
+            <a:off x="4207933" y="1427284"/>
+            <a:ext cx="7347537" cy="4004407"/>
           </a:xfrm>
           <a:prstGeom prst="rect">
             <a:avLst/>
@@ -10073,7 +10073,7 @@
     </p:spTree>
     <p:extLst>
       <p:ext uri="{BB962C8B-B14F-4D97-AF65-F5344CB8AC3E}">
-        <p14:creationId xmlns:p14="http://schemas.microsoft.com/office/powerpoint/2010/main" val="1027134440"/>
+        <p14:creationId xmlns:p14="http://schemas.microsoft.com/office/powerpoint/2010/main" val="2119226136"/>
       </p:ext>
     </p:extLst>
   </p:cSld>
@@ -10084,7 +10084,7 @@
 </file>
 
 <file path=ppt/slides/slide38.xml><?xml version="1.0" encoding="utf-8"?>
-<p:sld xmlns:a="http://schemas.openxmlformats.org/drawingml/2006/main" xmlns:r="http://schemas.openxmlformats.org/officeDocument/2006/relationships" xmlns:p="http://schemas.openxmlformats.org/presentationml/2006/main" show="0">
+<p:sld xmlns:a="http://schemas.openxmlformats.org/drawingml/2006/main" xmlns:r="http://schemas.openxmlformats.org/officeDocument/2006/relationships" xmlns:p="http://schemas.openxmlformats.org/presentationml/2006/main">
   <p:cSld>
     <p:bg>
       <p:bgPr>
@@ -10176,7 +10176,7 @@
           <p:cNvPr id="2" name="Title 1">
             <a:extLst>
               <a:ext uri="{FF2B5EF4-FFF2-40B4-BE49-F238E27FC236}">
-                <a16:creationId xmlns:a16="http://schemas.microsoft.com/office/drawing/2014/main" id="{0A621FE7-1195-CBD9-3770-76D48CDD3CCF}"/>
+                <a16:creationId xmlns:a16="http://schemas.microsoft.com/office/drawing/2014/main" id="{B6B224B7-80ED-D7AB-19B7-DEE57BFFD278}"/>
               </a:ext>
             </a:extLst>
           </p:cNvPr>
@@ -10208,7 +10208,7 @@
                 <a:ea typeface="+mj-ea"/>
                 <a:cs typeface="+mj-cs"/>
               </a:rPr>
-              <a:t>Advantages of SSAS Cubes</a:t>
+              <a:t>Relational OLAP </a:t>
             </a:r>
           </a:p>
         </p:txBody>
@@ -10218,7 +10218,7 @@
           <p:cNvPr id="5" name="Content Placeholder 4">
             <a:extLst>
               <a:ext uri="{FF2B5EF4-FFF2-40B4-BE49-F238E27FC236}">
-                <a16:creationId xmlns:a16="http://schemas.microsoft.com/office/drawing/2014/main" id="{969F4CD4-3FD6-6E70-D630-8477FF76ABBD}"/>
+                <a16:creationId xmlns:a16="http://schemas.microsoft.com/office/drawing/2014/main" id="{6E8D5AC4-EDBC-8145-DF86-36D4ADDC542F}"/>
               </a:ext>
             </a:extLst>
           </p:cNvPr>
@@ -10237,8 +10237,8 @@
         </p:blipFill>
         <p:spPr>
           <a:xfrm>
-            <a:off x="4207933" y="1840583"/>
-            <a:ext cx="7347537" cy="3177809"/>
+            <a:off x="4207933" y="1234411"/>
+            <a:ext cx="7347537" cy="4390153"/>
           </a:xfrm>
           <a:prstGeom prst="rect">
             <a:avLst/>
@@ -10248,7 +10248,7 @@
     </p:spTree>
     <p:extLst>
       <p:ext uri="{BB962C8B-B14F-4D97-AF65-F5344CB8AC3E}">
-        <p14:creationId xmlns:p14="http://schemas.microsoft.com/office/powerpoint/2010/main" val="366259139"/>
+        <p14:creationId xmlns:p14="http://schemas.microsoft.com/office/powerpoint/2010/main" val="1653220919"/>
       </p:ext>
     </p:extLst>
   </p:cSld>
@@ -10351,7 +10351,7 @@
           <p:cNvPr id="2" name="Title 1">
             <a:extLst>
               <a:ext uri="{FF2B5EF4-FFF2-40B4-BE49-F238E27FC236}">
-                <a16:creationId xmlns:a16="http://schemas.microsoft.com/office/drawing/2014/main" id="{E55D68DB-9F3B-B22F-D5CF-8E819D1155D8}"/>
+                <a16:creationId xmlns:a16="http://schemas.microsoft.com/office/drawing/2014/main" id="{54B6563F-2326-E9E4-C730-898E0833FE3A}"/>
               </a:ext>
             </a:extLst>
           </p:cNvPr>
@@ -10383,7 +10383,7 @@
                 <a:ea typeface="+mj-ea"/>
                 <a:cs typeface="+mj-cs"/>
               </a:rPr>
-              <a:t>Relational OLAP</a:t>
+              <a:t>Pitfalls of Data Warehouses</a:t>
             </a:r>
           </a:p>
         </p:txBody>
@@ -10393,7 +10393,7 @@
           <p:cNvPr id="5" name="Content Placeholder 4">
             <a:extLst>
               <a:ext uri="{FF2B5EF4-FFF2-40B4-BE49-F238E27FC236}">
-                <a16:creationId xmlns:a16="http://schemas.microsoft.com/office/drawing/2014/main" id="{9AF964E4-A35D-162A-7958-9B09F20731FC}"/>
+                <a16:creationId xmlns:a16="http://schemas.microsoft.com/office/drawing/2014/main" id="{1B0E8587-138B-0D65-E83C-6D9278D3A592}"/>
               </a:ext>
             </a:extLst>
           </p:cNvPr>
@@ -10412,8 +10412,8 @@
         </p:blipFill>
         <p:spPr>
           <a:xfrm>
-            <a:off x="4207933" y="1427284"/>
-            <a:ext cx="7347537" cy="4004407"/>
+            <a:off x="4207933" y="1849767"/>
+            <a:ext cx="7347537" cy="3159441"/>
           </a:xfrm>
           <a:prstGeom prst="rect">
             <a:avLst/>
@@ -10423,7 +10423,7 @@
     </p:spTree>
     <p:extLst>
       <p:ext uri="{BB962C8B-B14F-4D97-AF65-F5344CB8AC3E}">
-        <p14:creationId xmlns:p14="http://schemas.microsoft.com/office/powerpoint/2010/main" val="2119226136"/>
+        <p14:creationId xmlns:p14="http://schemas.microsoft.com/office/powerpoint/2010/main" val="3187904702"/>
       </p:ext>
     </p:extLst>
   </p:cSld>
@@ -10614,7 +10614,7 @@
 </file>
 
 <file path=ppt/slides/slide40.xml><?xml version="1.0" encoding="utf-8"?>
-<p:sld xmlns:a="http://schemas.openxmlformats.org/drawingml/2006/main" xmlns:r="http://schemas.openxmlformats.org/officeDocument/2006/relationships" xmlns:p="http://schemas.openxmlformats.org/presentationml/2006/main">
+<p:sld xmlns:a="http://schemas.openxmlformats.org/drawingml/2006/main" xmlns:r="http://schemas.openxmlformats.org/officeDocument/2006/relationships" xmlns:p="http://schemas.openxmlformats.org/presentationml/2006/main" show="0">
   <p:cSld>
     <p:bg>
       <p:bgPr>
@@ -10706,7 +10706,7 @@
           <p:cNvPr id="2" name="Title 1">
             <a:extLst>
               <a:ext uri="{FF2B5EF4-FFF2-40B4-BE49-F238E27FC236}">
-                <a16:creationId xmlns:a16="http://schemas.microsoft.com/office/drawing/2014/main" id="{B6B224B7-80ED-D7AB-19B7-DEE57BFFD278}"/>
+                <a16:creationId xmlns:a16="http://schemas.microsoft.com/office/drawing/2014/main" id="{50163224-B75B-ABFB-3B27-BD5531E49A24}"/>
               </a:ext>
             </a:extLst>
           </p:cNvPr>
@@ -10738,7 +10738,7 @@
                 <a:ea typeface="+mj-ea"/>
                 <a:cs typeface="+mj-cs"/>
               </a:rPr>
-              <a:t>Relational OLAP </a:t>
+              <a:t>CUBE</a:t>
             </a:r>
           </a:p>
         </p:txBody>
@@ -10748,7 +10748,7 @@
           <p:cNvPr id="5" name="Content Placeholder 4">
             <a:extLst>
               <a:ext uri="{FF2B5EF4-FFF2-40B4-BE49-F238E27FC236}">
-                <a16:creationId xmlns:a16="http://schemas.microsoft.com/office/drawing/2014/main" id="{6E8D5AC4-EDBC-8145-DF86-36D4ADDC542F}"/>
+                <a16:creationId xmlns:a16="http://schemas.microsoft.com/office/drawing/2014/main" id="{D00BD8A3-478F-5B77-FCD2-858D41E26F19}"/>
               </a:ext>
             </a:extLst>
           </p:cNvPr>
@@ -10767,8 +10767,8 @@
         </p:blipFill>
         <p:spPr>
           <a:xfrm>
-            <a:off x="4207933" y="1234411"/>
-            <a:ext cx="7347537" cy="4390153"/>
+            <a:off x="4207933" y="958878"/>
+            <a:ext cx="7347537" cy="4941219"/>
           </a:xfrm>
           <a:prstGeom prst="rect">
             <a:avLst/>
@@ -10778,7 +10778,7 @@
     </p:spTree>
     <p:extLst>
       <p:ext uri="{BB962C8B-B14F-4D97-AF65-F5344CB8AC3E}">
-        <p14:creationId xmlns:p14="http://schemas.microsoft.com/office/powerpoint/2010/main" val="1653220919"/>
+        <p14:creationId xmlns:p14="http://schemas.microsoft.com/office/powerpoint/2010/main" val="1027134440"/>
       </p:ext>
     </p:extLst>
   </p:cSld>
@@ -10789,7 +10789,7 @@
 </file>
 
 <file path=ppt/slides/slide41.xml><?xml version="1.0" encoding="utf-8"?>
-<p:sld xmlns:a="http://schemas.openxmlformats.org/drawingml/2006/main" xmlns:r="http://schemas.openxmlformats.org/officeDocument/2006/relationships" xmlns:p="http://schemas.openxmlformats.org/presentationml/2006/main">
+<p:sld xmlns:a="http://schemas.openxmlformats.org/drawingml/2006/main" xmlns:r="http://schemas.openxmlformats.org/officeDocument/2006/relationships" xmlns:p="http://schemas.openxmlformats.org/presentationml/2006/main" show="0">
   <p:cSld>
     <p:bg>
       <p:bgPr>
@@ -10881,7 +10881,7 @@
           <p:cNvPr id="2" name="Title 1">
             <a:extLst>
               <a:ext uri="{FF2B5EF4-FFF2-40B4-BE49-F238E27FC236}">
-                <a16:creationId xmlns:a16="http://schemas.microsoft.com/office/drawing/2014/main" id="{54B6563F-2326-E9E4-C730-898E0833FE3A}"/>
+                <a16:creationId xmlns:a16="http://schemas.microsoft.com/office/drawing/2014/main" id="{0A621FE7-1195-CBD9-3770-76D48CDD3CCF}"/>
               </a:ext>
             </a:extLst>
           </p:cNvPr>
@@ -10913,7 +10913,7 @@
                 <a:ea typeface="+mj-ea"/>
                 <a:cs typeface="+mj-cs"/>
               </a:rPr>
-              <a:t>Pitfalls of Data Warehouses</a:t>
+              <a:t>Advantages of SSAS Cubes</a:t>
             </a:r>
           </a:p>
         </p:txBody>
@@ -10923,7 +10923,7 @@
           <p:cNvPr id="5" name="Content Placeholder 4">
             <a:extLst>
               <a:ext uri="{FF2B5EF4-FFF2-40B4-BE49-F238E27FC236}">
-                <a16:creationId xmlns:a16="http://schemas.microsoft.com/office/drawing/2014/main" id="{1B0E8587-138B-0D65-E83C-6D9278D3A592}"/>
+                <a16:creationId xmlns:a16="http://schemas.microsoft.com/office/drawing/2014/main" id="{969F4CD4-3FD6-6E70-D630-8477FF76ABBD}"/>
               </a:ext>
             </a:extLst>
           </p:cNvPr>
@@ -10942,8 +10942,8 @@
         </p:blipFill>
         <p:spPr>
           <a:xfrm>
-            <a:off x="4207933" y="1849767"/>
-            <a:ext cx="7347537" cy="3159441"/>
+            <a:off x="4207933" y="1840583"/>
+            <a:ext cx="7347537" cy="3177809"/>
           </a:xfrm>
           <a:prstGeom prst="rect">
             <a:avLst/>
@@ -10953,7 +10953,7 @@
     </p:spTree>
     <p:extLst>
       <p:ext uri="{BB962C8B-B14F-4D97-AF65-F5344CB8AC3E}">
-        <p14:creationId xmlns:p14="http://schemas.microsoft.com/office/powerpoint/2010/main" val="3187904702"/>
+        <p14:creationId xmlns:p14="http://schemas.microsoft.com/office/powerpoint/2010/main" val="366259139"/>
       </p:ext>
     </p:extLst>
   </p:cSld>
